--- a/Docs/StudentFlow.pptx
+++ b/Docs/StudentFlow.pptx
@@ -1170,201 +1170,28 @@
       </p:grpSpPr>
       <p:pic>
         <p:nvPicPr>
-          <p:cNvPr id="2" name="Image 0" descr="preencoded.png"/>
-          <p:cNvPicPr>
-            <a:picLocks noChangeAspect="1"/>
-          </p:cNvPicPr>
-          <p:nvPr/>
-        </p:nvPicPr>
-        <p:blipFill>
-          <a:blip r:embed="rId3">
-            <a:extLst>
-              <a:ext uri="{96DAC541-7B7A-43D3-8B79-37D633B846F1}">
-                <asvg:svgBlip xmlns:asvg="http://schemas.microsoft.com/office/drawing/2016/SVG/main" r:embed="rId4"/>
-              </a:ext>
-            </a:extLst>
-          </a:blip>
-          <a:srcRect/>
-          <a:stretch/>
-        </p:blipFill>
-        <p:spPr>
-          <a:xfrm>
-            <a:off x="0" y="514350"/>
-            <a:ext cx="13716000" cy="9001125"/>
-          </a:xfrm>
-          <a:prstGeom prst="rect">
-            <a:avLst/>
-          </a:prstGeom>
-        </p:spPr>
-      </p:pic>
-      <p:pic>
-        <p:nvPicPr>
-          <p:cNvPr id="3" name="Image 1" descr="preencoded.png"/>
-          <p:cNvPicPr>
-            <a:picLocks noChangeAspect="1"/>
-          </p:cNvPicPr>
-          <p:nvPr/>
-        </p:nvPicPr>
-        <p:blipFill>
-          <a:blip r:embed="rId5">
-            <a:extLst>
-              <a:ext uri="{96DAC541-7B7A-43D3-8B79-37D633B846F1}">
-                <asvg:svgBlip xmlns:asvg="http://schemas.microsoft.com/office/drawing/2016/SVG/main" r:embed="rId6"/>
-              </a:ext>
-            </a:extLst>
-          </a:blip>
-          <a:srcRect/>
-          <a:stretch/>
-        </p:blipFill>
-        <p:spPr>
-          <a:xfrm>
-            <a:off x="1524000" y="1552575"/>
-            <a:ext cx="10668000" cy="6438900"/>
-          </a:xfrm>
-          <a:prstGeom prst="rect">
-            <a:avLst/>
-          </a:prstGeom>
-        </p:spPr>
-      </p:pic>
-      <p:pic>
-        <p:nvPicPr>
-          <p:cNvPr id="4" name="Image 2" descr="preencoded.png"/>
-          <p:cNvPicPr>
-            <a:picLocks noChangeAspect="1"/>
-          </p:cNvPicPr>
-          <p:nvPr/>
-        </p:nvPicPr>
-        <p:blipFill>
-          <a:blip r:embed="rId7">
-            <a:extLst>
-              <a:ext uri="{96DAC541-7B7A-43D3-8B79-37D633B846F1}">
-                <asvg:svgBlip xmlns:asvg="http://schemas.microsoft.com/office/drawing/2016/SVG/main" r:embed="rId8"/>
-              </a:ext>
-            </a:extLst>
-          </a:blip>
-          <a:srcRect/>
-          <a:stretch/>
-        </p:blipFill>
-        <p:spPr>
-          <a:xfrm>
-            <a:off x="0" y="0"/>
-            <a:ext cx="13716000" cy="990600"/>
-          </a:xfrm>
-          <a:prstGeom prst="rect">
-            <a:avLst/>
-          </a:prstGeom>
-        </p:spPr>
-      </p:pic>
-      <p:pic>
-        <p:nvPicPr>
-          <p:cNvPr id="5" name="Image 3" descr="preencoded.png"/>
-          <p:cNvPicPr>
-            <a:picLocks noChangeAspect="1"/>
-          </p:cNvPicPr>
-          <p:nvPr/>
-        </p:nvPicPr>
-        <p:blipFill>
-          <a:blip r:embed="rId9">
-            <a:extLst>
-              <a:ext uri="{96DAC541-7B7A-43D3-8B79-37D633B846F1}">
-                <asvg:svgBlip xmlns:asvg="http://schemas.microsoft.com/office/drawing/2016/SVG/main" r:embed="rId10"/>
-              </a:ext>
-            </a:extLst>
-          </a:blip>
-          <a:srcRect/>
-          <a:stretch/>
-        </p:blipFill>
-        <p:spPr>
-          <a:xfrm>
-            <a:off x="552450" y="57150"/>
-            <a:ext cx="6010275" cy="617525"/>
-          </a:xfrm>
-          <a:prstGeom prst="rect">
-            <a:avLst/>
-          </a:prstGeom>
-        </p:spPr>
-      </p:pic>
-      <p:pic>
-        <p:nvPicPr>
-          <p:cNvPr id="6" name="Image 4" descr="preencoded.png"/>
-          <p:cNvPicPr>
-            <a:picLocks noChangeAspect="1"/>
-          </p:cNvPicPr>
-          <p:nvPr/>
-        </p:nvPicPr>
-        <p:blipFill>
-          <a:blip r:embed="rId11">
-            <a:extLst>
-              <a:ext uri="{96DAC541-7B7A-43D3-8B79-37D633B846F1}">
-                <asvg:svgBlip xmlns:asvg="http://schemas.microsoft.com/office/drawing/2016/SVG/main" r:embed="rId12"/>
-              </a:ext>
-            </a:extLst>
-          </a:blip>
-          <a:srcRect/>
-          <a:stretch/>
-        </p:blipFill>
-        <p:spPr>
-          <a:xfrm>
-            <a:off x="9753600" y="104775"/>
-            <a:ext cx="3962400" cy="790575"/>
-          </a:xfrm>
-          <a:prstGeom prst="rect">
-            <a:avLst/>
-          </a:prstGeom>
-        </p:spPr>
-      </p:pic>
-      <p:pic>
-        <p:nvPicPr>
-          <p:cNvPr id="7" name="Image 5" descr="preencoded.png"/>
-          <p:cNvPicPr>
-            <a:picLocks noChangeAspect="1"/>
-          </p:cNvPicPr>
-          <p:nvPr/>
-        </p:nvPicPr>
-        <p:blipFill>
-          <a:blip r:embed="rId13">
-            <a:extLst>
-              <a:ext uri="{96DAC541-7B7A-43D3-8B79-37D633B846F1}">
-                <asvg:svgBlip xmlns:asvg="http://schemas.microsoft.com/office/drawing/2016/SVG/main" r:embed="rId14"/>
-              </a:ext>
-            </a:extLst>
-          </a:blip>
-          <a:srcRect/>
-          <a:stretch/>
-        </p:blipFill>
-        <p:spPr>
-          <a:xfrm>
-            <a:off x="0" y="8943975"/>
-            <a:ext cx="13716000" cy="1085850"/>
-          </a:xfrm>
-          <a:prstGeom prst="rect">
-            <a:avLst/>
-          </a:prstGeom>
-        </p:spPr>
-      </p:pic>
-      <p:pic>
-        <p:nvPicPr>
-          <p:cNvPr id="8" name="Image 6" descr="preencoded.png"/>
-          <p:cNvPicPr>
-            <a:picLocks noChangeAspect="1"/>
-          </p:cNvPicPr>
-          <p:nvPr/>
-        </p:nvPicPr>
-        <p:blipFill>
-          <a:blip r:embed="rId15">
-            <a:extLst>
-              <a:ext uri="{96DAC541-7B7A-43D3-8B79-37D633B846F1}">
-                <asvg:svgBlip xmlns:asvg="http://schemas.microsoft.com/office/drawing/2016/SVG/main" r:embed="rId16"/>
-              </a:ext>
-            </a:extLst>
-          </a:blip>
-          <a:srcRect/>
-          <a:stretch/>
-        </p:blipFill>
-        <p:spPr>
-          <a:xfrm>
-            <a:off x="11725275" y="9267825"/>
-            <a:ext cx="1990725" cy="285750"/>
+          <p:cNvPr id="10" name="Picture 9">
+            <a:extLst>
+              <a:ext uri="{FF2B5EF4-FFF2-40B4-BE49-F238E27FC236}">
+                <a16:creationId xmlns:a16="http://schemas.microsoft.com/office/drawing/2014/main" id="{CB695804-B2A0-47CB-9F67-F636F1EC5A5B}"/>
+              </a:ext>
+            </a:extLst>
+          </p:cNvPr>
+          <p:cNvPicPr>
+            <a:picLocks noChangeAspect="1"/>
+          </p:cNvPicPr>
+          <p:nvPr/>
+        </p:nvPicPr>
+        <p:blipFill>
+          <a:blip r:embed="rId3"/>
+          <a:stretch>
+            <a:fillRect/>
+          </a:stretch>
+        </p:blipFill>
+        <p:spPr>
+          <a:xfrm>
+            <a:off x="0" y="728662"/>
+            <a:ext cx="13716000" cy="8572500"/>
           </a:xfrm>
           <a:prstGeom prst="rect">
             <a:avLst/>
@@ -1406,7 +1233,13 @@
       </p:grpSpPr>
       <p:pic>
         <p:nvPicPr>
-          <p:cNvPr id="2" name="Image 0" descr="preencoded.png"/>
+          <p:cNvPr id="34" name="Picture 33">
+            <a:extLst>
+              <a:ext uri="{FF2B5EF4-FFF2-40B4-BE49-F238E27FC236}">
+                <a16:creationId xmlns:a16="http://schemas.microsoft.com/office/drawing/2014/main" id="{F7E4555B-AA99-486B-4CA4-C685039B7342}"/>
+              </a:ext>
+            </a:extLst>
+          </p:cNvPr>
           <p:cNvPicPr>
             <a:picLocks noChangeAspect="1"/>
           </p:cNvPicPr>
@@ -1414,841 +1247,14 @@
         </p:nvPicPr>
         <p:blipFill>
           <a:blip r:embed="rId3"/>
-          <a:srcRect/>
-          <a:stretch/>
-        </p:blipFill>
-        <p:spPr>
-          <a:xfrm>
-            <a:off x="0" y="0"/>
-            <a:ext cx="13716000" cy="809625"/>
-          </a:xfrm>
-          <a:prstGeom prst="rect">
-            <a:avLst/>
-          </a:prstGeom>
-        </p:spPr>
-      </p:pic>
-      <p:pic>
-        <p:nvPicPr>
-          <p:cNvPr id="3" name="Image 1" descr="preencoded.png"/>
-          <p:cNvPicPr>
-            <a:picLocks noChangeAspect="1"/>
-          </p:cNvPicPr>
-          <p:nvPr/>
-        </p:nvPicPr>
-        <p:blipFill>
-          <a:blip r:embed="rId4">
-            <a:extLst>
-              <a:ext uri="{96DAC541-7B7A-43D3-8B79-37D633B846F1}">
-                <asvg:svgBlip xmlns:asvg="http://schemas.microsoft.com/office/drawing/2016/SVG/main" r:embed="rId5"/>
-              </a:ext>
-            </a:extLst>
-          </a:blip>
-          <a:srcRect/>
-          <a:stretch/>
-        </p:blipFill>
-        <p:spPr>
-          <a:xfrm>
-            <a:off x="228600" y="123825"/>
-            <a:ext cx="3314700" cy="438150"/>
-          </a:xfrm>
-          <a:prstGeom prst="rect">
-            <a:avLst/>
-          </a:prstGeom>
-        </p:spPr>
-      </p:pic>
-      <p:pic>
-        <p:nvPicPr>
-          <p:cNvPr id="4" name="Image 2" descr="preencoded.png"/>
-          <p:cNvPicPr>
-            <a:picLocks noChangeAspect="1"/>
-          </p:cNvPicPr>
-          <p:nvPr/>
-        </p:nvPicPr>
-        <p:blipFill>
-          <a:blip r:embed="rId6">
-            <a:extLst>
-              <a:ext uri="{96DAC541-7B7A-43D3-8B79-37D633B846F1}">
-                <asvg:svgBlip xmlns:asvg="http://schemas.microsoft.com/office/drawing/2016/SVG/main" r:embed="rId7"/>
-              </a:ext>
-            </a:extLst>
-          </a:blip>
-          <a:srcRect/>
-          <a:stretch/>
-        </p:blipFill>
-        <p:spPr>
-          <a:xfrm>
-            <a:off x="6858000" y="200025"/>
-            <a:ext cx="4676775" cy="361950"/>
-          </a:xfrm>
-          <a:prstGeom prst="rect">
-            <a:avLst/>
-          </a:prstGeom>
-        </p:spPr>
-      </p:pic>
-      <p:pic>
-        <p:nvPicPr>
-          <p:cNvPr id="5" name="Image 3" descr="preencoded.png"/>
-          <p:cNvPicPr>
-            <a:picLocks noChangeAspect="1"/>
-          </p:cNvPicPr>
-          <p:nvPr/>
-        </p:nvPicPr>
-        <p:blipFill>
-          <a:blip r:embed="rId8"/>
-          <a:srcRect/>
-          <a:stretch/>
-        </p:blipFill>
-        <p:spPr>
-          <a:xfrm>
-            <a:off x="11677650" y="76200"/>
-            <a:ext cx="533400" cy="533400"/>
-          </a:xfrm>
-          <a:prstGeom prst="rect">
-            <a:avLst/>
-          </a:prstGeom>
-        </p:spPr>
-      </p:pic>
-      <p:pic>
-        <p:nvPicPr>
-          <p:cNvPr id="6" name="Image 4" descr="preencoded.png"/>
-          <p:cNvPicPr>
-            <a:picLocks noChangeAspect="1"/>
-          </p:cNvPicPr>
-          <p:nvPr/>
-        </p:nvPicPr>
-        <p:blipFill>
-          <a:blip r:embed="rId9">
-            <a:extLst>
-              <a:ext uri="{96DAC541-7B7A-43D3-8B79-37D633B846F1}">
-                <asvg:svgBlip xmlns:asvg="http://schemas.microsoft.com/office/drawing/2016/SVG/main" r:embed="rId10"/>
-              </a:ext>
-            </a:extLst>
-          </a:blip>
-          <a:srcRect/>
-          <a:stretch/>
-        </p:blipFill>
-        <p:spPr>
-          <a:xfrm>
-            <a:off x="12296775" y="219075"/>
-            <a:ext cx="1314450" cy="281178"/>
-          </a:xfrm>
-          <a:prstGeom prst="rect">
-            <a:avLst/>
-          </a:prstGeom>
-        </p:spPr>
-      </p:pic>
-      <p:pic>
-        <p:nvPicPr>
-          <p:cNvPr id="7" name="Image 5" descr="preencoded.png"/>
-          <p:cNvPicPr>
-            <a:picLocks noChangeAspect="1"/>
-          </p:cNvPicPr>
-          <p:nvPr/>
-        </p:nvPicPr>
-        <p:blipFill>
-          <a:blip r:embed="rId11">
-            <a:extLst>
-              <a:ext uri="{96DAC541-7B7A-43D3-8B79-37D633B846F1}">
-                <asvg:svgBlip xmlns:asvg="http://schemas.microsoft.com/office/drawing/2016/SVG/main" r:embed="rId12"/>
-              </a:ext>
-            </a:extLst>
-          </a:blip>
-          <a:srcRect/>
-          <a:stretch/>
-        </p:blipFill>
-        <p:spPr>
-          <a:xfrm>
-            <a:off x="590550" y="1219200"/>
-            <a:ext cx="12230100" cy="400050"/>
-          </a:xfrm>
-          <a:prstGeom prst="rect">
-            <a:avLst/>
-          </a:prstGeom>
-        </p:spPr>
-      </p:pic>
-      <p:pic>
-        <p:nvPicPr>
-          <p:cNvPr id="8" name="Image 6" descr="preencoded.png"/>
-          <p:cNvPicPr>
-            <a:picLocks noChangeAspect="1"/>
-          </p:cNvPicPr>
-          <p:nvPr/>
-        </p:nvPicPr>
-        <p:blipFill>
-          <a:blip r:embed="rId13">
-            <a:extLst>
-              <a:ext uri="{96DAC541-7B7A-43D3-8B79-37D633B846F1}">
-                <asvg:svgBlip xmlns:asvg="http://schemas.microsoft.com/office/drawing/2016/SVG/main" r:embed="rId14"/>
-              </a:ext>
-            </a:extLst>
-          </a:blip>
-          <a:srcRect/>
-          <a:stretch/>
-        </p:blipFill>
-        <p:spPr>
-          <a:xfrm>
-            <a:off x="742950" y="1257300"/>
-            <a:ext cx="2124075" cy="295275"/>
-          </a:xfrm>
-          <a:prstGeom prst="rect">
-            <a:avLst/>
-          </a:prstGeom>
-        </p:spPr>
-      </p:pic>
-      <p:pic>
-        <p:nvPicPr>
-          <p:cNvPr id="9" name="Image 7" descr="preencoded.png"/>
-          <p:cNvPicPr>
-            <a:picLocks noChangeAspect="1"/>
-          </p:cNvPicPr>
-          <p:nvPr/>
-        </p:nvPicPr>
-        <p:blipFill>
-          <a:blip r:embed="rId15"/>
-          <a:srcRect/>
-          <a:stretch/>
-        </p:blipFill>
-        <p:spPr>
-          <a:xfrm>
-            <a:off x="12820650" y="1209675"/>
-            <a:ext cx="457200" cy="390525"/>
-          </a:xfrm>
-          <a:prstGeom prst="rect">
-            <a:avLst/>
-          </a:prstGeom>
-        </p:spPr>
-      </p:pic>
-      <p:pic>
-        <p:nvPicPr>
-          <p:cNvPr id="10" name="Image 8" descr="preencoded.png"/>
-          <p:cNvPicPr>
-            <a:picLocks noChangeAspect="1"/>
-          </p:cNvPicPr>
-          <p:nvPr/>
-        </p:nvPicPr>
-        <p:blipFill>
-          <a:blip r:embed="rId16">
-            <a:extLst>
-              <a:ext uri="{96DAC541-7B7A-43D3-8B79-37D633B846F1}">
-                <asvg:svgBlip xmlns:asvg="http://schemas.microsoft.com/office/drawing/2016/SVG/main" r:embed="rId17"/>
-              </a:ext>
-            </a:extLst>
-          </a:blip>
-          <a:srcRect/>
-          <a:stretch/>
-        </p:blipFill>
-        <p:spPr>
-          <a:xfrm>
-            <a:off x="0" y="2190750"/>
-            <a:ext cx="13716000" cy="4000500"/>
-          </a:xfrm>
-          <a:prstGeom prst="rect">
-            <a:avLst/>
-          </a:prstGeom>
-        </p:spPr>
-      </p:pic>
-      <p:pic>
-        <p:nvPicPr>
-          <p:cNvPr id="11" name="Image 9" descr="preencoded.png"/>
-          <p:cNvPicPr>
-            <a:picLocks noChangeAspect="1"/>
-          </p:cNvPicPr>
-          <p:nvPr/>
-        </p:nvPicPr>
-        <p:blipFill>
-          <a:blip r:embed="rId18"/>
-          <a:srcRect/>
-          <a:stretch/>
-        </p:blipFill>
-        <p:spPr>
-          <a:xfrm>
-            <a:off x="333375" y="3714750"/>
-            <a:ext cx="7743825" cy="1516761"/>
-          </a:xfrm>
-          <a:prstGeom prst="rect">
-            <a:avLst/>
-          </a:prstGeom>
-        </p:spPr>
-      </p:pic>
-      <p:pic>
-        <p:nvPicPr>
-          <p:cNvPr id="12" name="Image 10" descr="preencoded.png"/>
-          <p:cNvPicPr>
-            <a:picLocks noChangeAspect="1"/>
-          </p:cNvPicPr>
-          <p:nvPr/>
-        </p:nvPicPr>
-        <p:blipFill>
-          <a:blip r:embed="rId19">
-            <a:extLst>
-              <a:ext uri="{96DAC541-7B7A-43D3-8B79-37D633B846F1}">
-                <asvg:svgBlip xmlns:asvg="http://schemas.microsoft.com/office/drawing/2016/SVG/main" r:embed="rId20"/>
-              </a:ext>
-            </a:extLst>
-          </a:blip>
-          <a:srcRect/>
-          <a:stretch/>
-        </p:blipFill>
-        <p:spPr>
-          <a:xfrm>
-            <a:off x="438150" y="2400300"/>
-            <a:ext cx="2657475" cy="409575"/>
-          </a:xfrm>
-          <a:prstGeom prst="rect">
-            <a:avLst/>
-          </a:prstGeom>
-        </p:spPr>
-      </p:pic>
-      <p:pic>
-        <p:nvPicPr>
-          <p:cNvPr id="13" name="Image 11" descr="preencoded.png"/>
-          <p:cNvPicPr>
-            <a:picLocks noChangeAspect="1"/>
-          </p:cNvPicPr>
-          <p:nvPr/>
-        </p:nvPicPr>
-        <p:blipFill>
-          <a:blip r:embed="rId21"/>
-          <a:srcRect/>
-          <a:stretch/>
-        </p:blipFill>
-        <p:spPr>
-          <a:xfrm>
-            <a:off x="8579576" y="2552700"/>
-            <a:ext cx="4743450" cy="2324100"/>
-          </a:xfrm>
-          <a:prstGeom prst="rect">
-            <a:avLst/>
-          </a:prstGeom>
-        </p:spPr>
-      </p:pic>
-      <p:pic>
-        <p:nvPicPr>
-          <p:cNvPr id="14" name="Image 12" descr="preencoded.png"/>
-          <p:cNvPicPr>
-            <a:picLocks noChangeAspect="1"/>
-          </p:cNvPicPr>
-          <p:nvPr/>
-        </p:nvPicPr>
-        <p:blipFill>
-          <a:blip r:embed="rId22">
-            <a:extLst>
-              <a:ext uri="{96DAC541-7B7A-43D3-8B79-37D633B846F1}">
-                <asvg:svgBlip xmlns:asvg="http://schemas.microsoft.com/office/drawing/2016/SVG/main" r:embed="rId23"/>
-              </a:ext>
-            </a:extLst>
-          </a:blip>
-          <a:srcRect/>
-          <a:stretch/>
-        </p:blipFill>
-        <p:spPr>
-          <a:xfrm>
-            <a:off x="9344025" y="5267325"/>
-            <a:ext cx="3124200" cy="533400"/>
-          </a:xfrm>
-          <a:prstGeom prst="rect">
-            <a:avLst/>
-          </a:prstGeom>
-        </p:spPr>
-      </p:pic>
-      <p:pic>
-        <p:nvPicPr>
-          <p:cNvPr id="15" name="Image 13" descr="preencoded.png"/>
-          <p:cNvPicPr>
-            <a:picLocks noChangeAspect="1"/>
-          </p:cNvPicPr>
-          <p:nvPr/>
-        </p:nvPicPr>
-        <p:blipFill>
-          <a:blip r:embed="rId24">
-            <a:extLst>
-              <a:ext uri="{96DAC541-7B7A-43D3-8B79-37D633B846F1}">
-                <asvg:svgBlip xmlns:asvg="http://schemas.microsoft.com/office/drawing/2016/SVG/main" r:embed="rId25"/>
-              </a:ext>
-            </a:extLst>
-          </a:blip>
-          <a:srcRect/>
-          <a:stretch/>
-        </p:blipFill>
-        <p:spPr>
-          <a:xfrm>
-            <a:off x="9401175" y="5362575"/>
-            <a:ext cx="2809875" cy="476250"/>
-          </a:xfrm>
-          <a:prstGeom prst="rect">
-            <a:avLst/>
-          </a:prstGeom>
-        </p:spPr>
-      </p:pic>
-      <p:pic>
-        <p:nvPicPr>
-          <p:cNvPr id="16" name="Image 14" descr="preencoded.png"/>
-          <p:cNvPicPr>
-            <a:picLocks noChangeAspect="1"/>
-          </p:cNvPicPr>
-          <p:nvPr/>
-        </p:nvPicPr>
-        <p:blipFill>
-          <a:blip r:embed="rId26">
-            <a:extLst>
-              <a:ext uri="{96DAC541-7B7A-43D3-8B79-37D633B846F1}">
-                <asvg:svgBlip xmlns:asvg="http://schemas.microsoft.com/office/drawing/2016/SVG/main" r:embed="rId27"/>
-              </a:ext>
-            </a:extLst>
-          </a:blip>
-          <a:srcRect/>
-          <a:stretch/>
-        </p:blipFill>
-        <p:spPr>
-          <a:xfrm>
-            <a:off x="6143625" y="5934075"/>
-            <a:ext cx="142875" cy="123825"/>
-          </a:xfrm>
-          <a:prstGeom prst="rect">
-            <a:avLst/>
-          </a:prstGeom>
-        </p:spPr>
-      </p:pic>
-      <p:pic>
-        <p:nvPicPr>
-          <p:cNvPr id="17" name="Image 15" descr="preencoded.png"/>
-          <p:cNvPicPr>
-            <a:picLocks noChangeAspect="1"/>
-          </p:cNvPicPr>
-          <p:nvPr/>
-        </p:nvPicPr>
-        <p:blipFill>
-          <a:blip r:embed="rId26">
-            <a:extLst>
-              <a:ext uri="{96DAC541-7B7A-43D3-8B79-37D633B846F1}">
-                <asvg:svgBlip xmlns:asvg="http://schemas.microsoft.com/office/drawing/2016/SVG/main" r:embed="rId27"/>
-              </a:ext>
-            </a:extLst>
-          </a:blip>
-          <a:srcRect/>
-          <a:stretch/>
-        </p:blipFill>
-        <p:spPr>
-          <a:xfrm>
-            <a:off x="6391275" y="5934075"/>
-            <a:ext cx="142875" cy="123825"/>
-          </a:xfrm>
-          <a:prstGeom prst="rect">
-            <a:avLst/>
-          </a:prstGeom>
-        </p:spPr>
-      </p:pic>
-      <p:pic>
-        <p:nvPicPr>
-          <p:cNvPr id="18" name="Image 16" descr="preencoded.png"/>
-          <p:cNvPicPr>
-            <a:picLocks noChangeAspect="1"/>
-          </p:cNvPicPr>
-          <p:nvPr/>
-        </p:nvPicPr>
-        <p:blipFill>
-          <a:blip r:embed="rId26">
-            <a:extLst>
-              <a:ext uri="{96DAC541-7B7A-43D3-8B79-37D633B846F1}">
-                <asvg:svgBlip xmlns:asvg="http://schemas.microsoft.com/office/drawing/2016/SVG/main" r:embed="rId27"/>
-              </a:ext>
-            </a:extLst>
-          </a:blip>
-          <a:srcRect/>
-          <a:stretch/>
-        </p:blipFill>
-        <p:spPr>
-          <a:xfrm>
-            <a:off x="6638925" y="5934075"/>
-            <a:ext cx="142875" cy="123825"/>
-          </a:xfrm>
-          <a:prstGeom prst="rect">
-            <a:avLst/>
-          </a:prstGeom>
-        </p:spPr>
-      </p:pic>
-      <p:pic>
-        <p:nvPicPr>
-          <p:cNvPr id="19" name="Image 17" descr="preencoded.png"/>
-          <p:cNvPicPr>
-            <a:picLocks noChangeAspect="1"/>
-          </p:cNvPicPr>
-          <p:nvPr/>
-        </p:nvPicPr>
-        <p:blipFill>
-          <a:blip r:embed="rId26">
-            <a:extLst>
-              <a:ext uri="{96DAC541-7B7A-43D3-8B79-37D633B846F1}">
-                <asvg:svgBlip xmlns:asvg="http://schemas.microsoft.com/office/drawing/2016/SVG/main" r:embed="rId27"/>
-              </a:ext>
-            </a:extLst>
-          </a:blip>
-          <a:srcRect/>
-          <a:stretch/>
-        </p:blipFill>
-        <p:spPr>
-          <a:xfrm>
-            <a:off x="6886575" y="5934075"/>
-            <a:ext cx="142875" cy="123825"/>
-          </a:xfrm>
-          <a:prstGeom prst="rect">
-            <a:avLst/>
-          </a:prstGeom>
-        </p:spPr>
-      </p:pic>
-      <p:pic>
-        <p:nvPicPr>
-          <p:cNvPr id="20" name="Image 18" descr="preencoded.png"/>
-          <p:cNvPicPr>
-            <a:picLocks noChangeAspect="1"/>
-          </p:cNvPicPr>
-          <p:nvPr/>
-        </p:nvPicPr>
-        <p:blipFill>
-          <a:blip r:embed="rId26">
-            <a:extLst>
-              <a:ext uri="{96DAC541-7B7A-43D3-8B79-37D633B846F1}">
-                <asvg:svgBlip xmlns:asvg="http://schemas.microsoft.com/office/drawing/2016/SVG/main" r:embed="rId27"/>
-              </a:ext>
-            </a:extLst>
-          </a:blip>
-          <a:srcRect/>
-          <a:stretch/>
-        </p:blipFill>
-        <p:spPr>
-          <a:xfrm>
-            <a:off x="7134225" y="5934075"/>
-            <a:ext cx="142875" cy="123825"/>
-          </a:xfrm>
-          <a:prstGeom prst="rect">
-            <a:avLst/>
-          </a:prstGeom>
-        </p:spPr>
-      </p:pic>
-      <p:pic>
-        <p:nvPicPr>
-          <p:cNvPr id="21" name="Image 19" descr="preencoded.png"/>
-          <p:cNvPicPr>
-            <a:picLocks noChangeAspect="1"/>
-          </p:cNvPicPr>
-          <p:nvPr/>
-        </p:nvPicPr>
-        <p:blipFill>
-          <a:blip r:embed="rId28">
-            <a:extLst>
-              <a:ext uri="{96DAC541-7B7A-43D3-8B79-37D633B846F1}">
-                <asvg:svgBlip xmlns:asvg="http://schemas.microsoft.com/office/drawing/2016/SVG/main" r:embed="rId29"/>
-              </a:ext>
-            </a:extLst>
-          </a:blip>
-          <a:srcRect/>
-          <a:stretch/>
-        </p:blipFill>
-        <p:spPr>
-          <a:xfrm>
-            <a:off x="28575" y="6372225"/>
-            <a:ext cx="13687425" cy="419100"/>
-          </a:xfrm>
-          <a:prstGeom prst="rect">
-            <a:avLst/>
-          </a:prstGeom>
-        </p:spPr>
-      </p:pic>
-      <p:pic>
-        <p:nvPicPr>
-          <p:cNvPr id="22" name="Image 20" descr="preencoded.png"/>
-          <p:cNvPicPr>
-            <a:picLocks noChangeAspect="1"/>
-          </p:cNvPicPr>
-          <p:nvPr/>
-        </p:nvPicPr>
-        <p:blipFill>
-          <a:blip r:embed="rId30">
-            <a:extLst>
-              <a:ext uri="{96DAC541-7B7A-43D3-8B79-37D633B846F1}">
-                <asvg:svgBlip xmlns:asvg="http://schemas.microsoft.com/office/drawing/2016/SVG/main" r:embed="rId31"/>
-              </a:ext>
-            </a:extLst>
-          </a:blip>
-          <a:srcRect/>
-          <a:stretch/>
-        </p:blipFill>
-        <p:spPr>
-          <a:xfrm>
-            <a:off x="466725" y="7000875"/>
-            <a:ext cx="3733800" cy="2295525"/>
-          </a:xfrm>
-          <a:prstGeom prst="rect">
-            <a:avLst/>
-          </a:prstGeom>
-        </p:spPr>
-      </p:pic>
-      <p:pic>
-        <p:nvPicPr>
-          <p:cNvPr id="23" name="Image 21" descr="preencoded.png"/>
-          <p:cNvPicPr>
-            <a:picLocks noChangeAspect="1"/>
-          </p:cNvPicPr>
-          <p:nvPr/>
-        </p:nvPicPr>
-        <p:blipFill>
-          <a:blip r:embed="rId32">
-            <a:extLst>
-              <a:ext uri="{96DAC541-7B7A-43D3-8B79-37D633B846F1}">
-                <asvg:svgBlip xmlns:asvg="http://schemas.microsoft.com/office/drawing/2016/SVG/main" r:embed="rId33"/>
-              </a:ext>
-            </a:extLst>
-          </a:blip>
-          <a:srcRect/>
-          <a:stretch/>
-        </p:blipFill>
-        <p:spPr>
-          <a:xfrm>
-            <a:off x="5019675" y="7000875"/>
-            <a:ext cx="3733800" cy="2295525"/>
-          </a:xfrm>
-          <a:prstGeom prst="rect">
-            <a:avLst/>
-          </a:prstGeom>
-        </p:spPr>
-      </p:pic>
-      <p:pic>
-        <p:nvPicPr>
-          <p:cNvPr id="24" name="Image 22" descr="preencoded.png"/>
-          <p:cNvPicPr>
-            <a:picLocks noChangeAspect="1"/>
-          </p:cNvPicPr>
-          <p:nvPr/>
-        </p:nvPicPr>
-        <p:blipFill>
-          <a:blip r:embed="rId30">
-            <a:extLst>
-              <a:ext uri="{96DAC541-7B7A-43D3-8B79-37D633B846F1}">
-                <asvg:svgBlip xmlns:asvg="http://schemas.microsoft.com/office/drawing/2016/SVG/main" r:embed="rId31"/>
-              </a:ext>
-            </a:extLst>
-          </a:blip>
-          <a:srcRect/>
-          <a:stretch/>
-        </p:blipFill>
-        <p:spPr>
-          <a:xfrm>
-            <a:off x="5019675" y="7000875"/>
-            <a:ext cx="3733800" cy="2295525"/>
-          </a:xfrm>
-          <a:prstGeom prst="rect">
-            <a:avLst/>
-          </a:prstGeom>
-        </p:spPr>
-      </p:pic>
-      <p:pic>
-        <p:nvPicPr>
-          <p:cNvPr id="25" name="Image 23" descr="preencoded.png"/>
-          <p:cNvPicPr>
-            <a:picLocks noChangeAspect="1"/>
-          </p:cNvPicPr>
-          <p:nvPr/>
-        </p:nvPicPr>
-        <p:blipFill>
-          <a:blip r:embed="rId34"/>
-          <a:srcRect/>
-          <a:stretch/>
-        </p:blipFill>
-        <p:spPr>
-          <a:xfrm>
-            <a:off x="5143500" y="7124700"/>
-            <a:ext cx="3467100" cy="1400175"/>
-          </a:xfrm>
-          <a:prstGeom prst="rect">
-            <a:avLst/>
-          </a:prstGeom>
-        </p:spPr>
-      </p:pic>
-      <p:pic>
-        <p:nvPicPr>
-          <p:cNvPr id="26" name="Image 24" descr="preencoded.png"/>
-          <p:cNvPicPr>
-            <a:picLocks noChangeAspect="1"/>
-          </p:cNvPicPr>
-          <p:nvPr/>
-        </p:nvPicPr>
-        <p:blipFill>
-          <a:blip r:embed="rId35">
-            <a:extLst>
-              <a:ext uri="{96DAC541-7B7A-43D3-8B79-37D633B846F1}">
-                <asvg:svgBlip xmlns:asvg="http://schemas.microsoft.com/office/drawing/2016/SVG/main" r:embed="rId36"/>
-              </a:ext>
-            </a:extLst>
-          </a:blip>
-          <a:srcRect/>
-          <a:stretch/>
-        </p:blipFill>
-        <p:spPr>
-          <a:xfrm>
-            <a:off x="5191125" y="8724900"/>
-            <a:ext cx="3257550" cy="381000"/>
-          </a:xfrm>
-          <a:prstGeom prst="rect">
-            <a:avLst/>
-          </a:prstGeom>
-        </p:spPr>
-      </p:pic>
-      <p:pic>
-        <p:nvPicPr>
-          <p:cNvPr id="27" name="Image 25" descr="preencoded.png"/>
-          <p:cNvPicPr>
-            <a:picLocks noChangeAspect="1"/>
-          </p:cNvPicPr>
-          <p:nvPr/>
-        </p:nvPicPr>
-        <p:blipFill>
-          <a:blip r:embed="rId37">
-            <a:extLst>
-              <a:ext uri="{96DAC541-7B7A-43D3-8B79-37D633B846F1}">
-                <asvg:svgBlip xmlns:asvg="http://schemas.microsoft.com/office/drawing/2016/SVG/main" r:embed="rId38"/>
-              </a:ext>
-            </a:extLst>
-          </a:blip>
-          <a:srcRect/>
-          <a:stretch/>
-        </p:blipFill>
-        <p:spPr>
-          <a:xfrm>
-            <a:off x="9572625" y="6972300"/>
-            <a:ext cx="3733800" cy="2295525"/>
-          </a:xfrm>
-          <a:prstGeom prst="rect">
-            <a:avLst/>
-          </a:prstGeom>
-        </p:spPr>
-      </p:pic>
-      <p:pic>
-        <p:nvPicPr>
-          <p:cNvPr id="28" name="Image 26" descr="preencoded.png"/>
-          <p:cNvPicPr>
-            <a:picLocks noChangeAspect="1"/>
-          </p:cNvPicPr>
-          <p:nvPr/>
-        </p:nvPicPr>
-        <p:blipFill>
-          <a:blip r:embed="rId39"/>
-          <a:srcRect/>
-          <a:stretch/>
-        </p:blipFill>
-        <p:spPr>
-          <a:xfrm>
-            <a:off x="590550" y="7124700"/>
-            <a:ext cx="3467100" cy="1400175"/>
-          </a:xfrm>
-          <a:prstGeom prst="rect">
-            <a:avLst/>
-          </a:prstGeom>
-        </p:spPr>
-      </p:pic>
-      <p:pic>
-        <p:nvPicPr>
-          <p:cNvPr id="29" name="Image 27" descr="preencoded.png"/>
-          <p:cNvPicPr>
-            <a:picLocks noChangeAspect="1"/>
-          </p:cNvPicPr>
-          <p:nvPr/>
-        </p:nvPicPr>
-        <p:blipFill>
-          <a:blip r:embed="rId40">
-            <a:extLst>
-              <a:ext uri="{96DAC541-7B7A-43D3-8B79-37D633B846F1}">
-                <asvg:svgBlip xmlns:asvg="http://schemas.microsoft.com/office/drawing/2016/SVG/main" r:embed="rId41"/>
-              </a:ext>
-            </a:extLst>
-          </a:blip>
-          <a:srcRect/>
-          <a:stretch/>
-        </p:blipFill>
-        <p:spPr>
-          <a:xfrm>
-            <a:off x="638175" y="8724900"/>
-            <a:ext cx="3257550" cy="381000"/>
-          </a:xfrm>
-          <a:prstGeom prst="rect">
-            <a:avLst/>
-          </a:prstGeom>
-        </p:spPr>
-      </p:pic>
-      <p:pic>
-        <p:nvPicPr>
-          <p:cNvPr id="30" name="Image 28" descr="preencoded.png"/>
-          <p:cNvPicPr>
-            <a:picLocks noChangeAspect="1"/>
-          </p:cNvPicPr>
-          <p:nvPr/>
-        </p:nvPicPr>
-        <p:blipFill>
-          <a:blip r:embed="rId30">
-            <a:extLst>
-              <a:ext uri="{96DAC541-7B7A-43D3-8B79-37D633B846F1}">
-                <asvg:svgBlip xmlns:asvg="http://schemas.microsoft.com/office/drawing/2016/SVG/main" r:embed="rId31"/>
-              </a:ext>
-            </a:extLst>
-          </a:blip>
-          <a:srcRect/>
-          <a:stretch/>
-        </p:blipFill>
-        <p:spPr>
-          <a:xfrm>
-            <a:off x="9572625" y="7000875"/>
-            <a:ext cx="3733800" cy="2295525"/>
-          </a:xfrm>
-          <a:prstGeom prst="rect">
-            <a:avLst/>
-          </a:prstGeom>
-        </p:spPr>
-      </p:pic>
-      <p:pic>
-        <p:nvPicPr>
-          <p:cNvPr id="31" name="Image 29" descr="preencoded.png"/>
-          <p:cNvPicPr>
-            <a:picLocks noChangeAspect="1"/>
-          </p:cNvPicPr>
-          <p:nvPr/>
-        </p:nvPicPr>
-        <p:blipFill>
-          <a:blip r:embed="rId42"/>
-          <a:srcRect/>
-          <a:stretch/>
-        </p:blipFill>
-        <p:spPr>
-          <a:xfrm>
-            <a:off x="9763125" y="7138987"/>
-            <a:ext cx="3467100" cy="1400175"/>
-          </a:xfrm>
-          <a:prstGeom prst="rect">
-            <a:avLst/>
-          </a:prstGeom>
-        </p:spPr>
-      </p:pic>
-      <p:pic>
-        <p:nvPicPr>
-          <p:cNvPr id="32" name="Image 30" descr="preencoded.png"/>
-          <p:cNvPicPr>
-            <a:picLocks noChangeAspect="1"/>
-          </p:cNvPicPr>
-          <p:nvPr/>
-        </p:nvPicPr>
-        <p:blipFill>
-          <a:blip r:embed="rId43">
-            <a:extLst>
-              <a:ext uri="{96DAC541-7B7A-43D3-8B79-37D633B846F1}">
-                <asvg:svgBlip xmlns:asvg="http://schemas.microsoft.com/office/drawing/2016/SVG/main" r:embed="rId44"/>
-              </a:ext>
-            </a:extLst>
-          </a:blip>
-          <a:srcRect/>
-          <a:stretch/>
-        </p:blipFill>
-        <p:spPr>
-          <a:xfrm>
-            <a:off x="9744075" y="8724900"/>
-            <a:ext cx="3257550" cy="381000"/>
+          <a:stretch>
+            <a:fillRect/>
+          </a:stretch>
+        </p:blipFill>
+        <p:spPr>
+          <a:xfrm>
+            <a:off x="0" y="728662"/>
+            <a:ext cx="13716000" cy="8572500"/>
           </a:xfrm>
           <a:prstGeom prst="rect">
             <a:avLst/>
@@ -2290,7 +1296,13 @@
       </p:grpSpPr>
       <p:pic>
         <p:nvPicPr>
-          <p:cNvPr id="2" name="Image 0" descr="preencoded.png"/>
+          <p:cNvPr id="25" name="Picture 24">
+            <a:extLst>
+              <a:ext uri="{FF2B5EF4-FFF2-40B4-BE49-F238E27FC236}">
+                <a16:creationId xmlns:a16="http://schemas.microsoft.com/office/drawing/2014/main" id="{83A62A2E-7747-5643-F772-5F6C3A2694A9}"/>
+              </a:ext>
+            </a:extLst>
+          </p:cNvPr>
           <p:cNvPicPr>
             <a:picLocks noChangeAspect="1"/>
           </p:cNvPicPr>
@@ -2298,546 +1310,14 @@
         </p:nvPicPr>
         <p:blipFill>
           <a:blip r:embed="rId3"/>
-          <a:srcRect/>
-          <a:stretch/>
-        </p:blipFill>
-        <p:spPr>
-          <a:xfrm>
-            <a:off x="0" y="0"/>
-            <a:ext cx="13716000" cy="809625"/>
-          </a:xfrm>
-          <a:prstGeom prst="rect">
-            <a:avLst/>
-          </a:prstGeom>
-        </p:spPr>
-      </p:pic>
-      <p:pic>
-        <p:nvPicPr>
-          <p:cNvPr id="3" name="Image 1" descr="preencoded.png"/>
-          <p:cNvPicPr>
-            <a:picLocks noChangeAspect="1"/>
-          </p:cNvPicPr>
-          <p:nvPr/>
-        </p:nvPicPr>
-        <p:blipFill>
-          <a:blip r:embed="rId4">
-            <a:extLst>
-              <a:ext uri="{96DAC541-7B7A-43D3-8B79-37D633B846F1}">
-                <asvg:svgBlip xmlns:asvg="http://schemas.microsoft.com/office/drawing/2016/SVG/main" r:embed="rId5"/>
-              </a:ext>
-            </a:extLst>
-          </a:blip>
-          <a:srcRect/>
-          <a:stretch/>
-        </p:blipFill>
-        <p:spPr>
-          <a:xfrm>
-            <a:off x="228600" y="123825"/>
-            <a:ext cx="3314700" cy="438150"/>
-          </a:xfrm>
-          <a:prstGeom prst="rect">
-            <a:avLst/>
-          </a:prstGeom>
-        </p:spPr>
-      </p:pic>
-      <p:pic>
-        <p:nvPicPr>
-          <p:cNvPr id="4" name="Image 2" descr="preencoded.png"/>
-          <p:cNvPicPr>
-            <a:picLocks noChangeAspect="1"/>
-          </p:cNvPicPr>
-          <p:nvPr/>
-        </p:nvPicPr>
-        <p:blipFill>
-          <a:blip r:embed="rId6"/>
-          <a:srcRect/>
-          <a:stretch/>
-        </p:blipFill>
-        <p:spPr>
-          <a:xfrm>
-            <a:off x="11677650" y="76200"/>
-            <a:ext cx="533400" cy="533400"/>
-          </a:xfrm>
-          <a:prstGeom prst="rect">
-            <a:avLst/>
-          </a:prstGeom>
-        </p:spPr>
-      </p:pic>
-      <p:pic>
-        <p:nvPicPr>
-          <p:cNvPr id="5" name="Image 3" descr="preencoded.png"/>
-          <p:cNvPicPr>
-            <a:picLocks noChangeAspect="1"/>
-          </p:cNvPicPr>
-          <p:nvPr/>
-        </p:nvPicPr>
-        <p:blipFill>
-          <a:blip r:embed="rId7">
-            <a:extLst>
-              <a:ext uri="{96DAC541-7B7A-43D3-8B79-37D633B846F1}">
-                <asvg:svgBlip xmlns:asvg="http://schemas.microsoft.com/office/drawing/2016/SVG/main" r:embed="rId8"/>
-              </a:ext>
-            </a:extLst>
-          </a:blip>
-          <a:srcRect/>
-          <a:stretch/>
-        </p:blipFill>
-        <p:spPr>
-          <a:xfrm>
-            <a:off x="12401550" y="219075"/>
-            <a:ext cx="1314450" cy="281178"/>
-          </a:xfrm>
-          <a:prstGeom prst="rect">
-            <a:avLst/>
-          </a:prstGeom>
-        </p:spPr>
-      </p:pic>
-      <p:pic>
-        <p:nvPicPr>
-          <p:cNvPr id="6" name="Image 4" descr="preencoded.png"/>
-          <p:cNvPicPr>
-            <a:picLocks noChangeAspect="1"/>
-          </p:cNvPicPr>
-          <p:nvPr/>
-        </p:nvPicPr>
-        <p:blipFill>
-          <a:blip r:embed="rId9">
-            <a:extLst>
-              <a:ext uri="{96DAC541-7B7A-43D3-8B79-37D633B846F1}">
-                <asvg:svgBlip xmlns:asvg="http://schemas.microsoft.com/office/drawing/2016/SVG/main" r:embed="rId10"/>
-              </a:ext>
-            </a:extLst>
-          </a:blip>
-          <a:srcRect/>
-          <a:stretch/>
-        </p:blipFill>
-        <p:spPr>
-          <a:xfrm>
-            <a:off x="9039225" y="200025"/>
-            <a:ext cx="4676775" cy="361950"/>
-          </a:xfrm>
-          <a:prstGeom prst="rect">
-            <a:avLst/>
-          </a:prstGeom>
-        </p:spPr>
-      </p:pic>
-      <p:pic>
-        <p:nvPicPr>
-          <p:cNvPr id="7" name="Image 5" descr="preencoded.png"/>
-          <p:cNvPicPr>
-            <a:picLocks noChangeAspect="1"/>
-          </p:cNvPicPr>
-          <p:nvPr/>
-        </p:nvPicPr>
-        <p:blipFill>
-          <a:blip r:embed="rId11">
-            <a:extLst>
-              <a:ext uri="{96DAC541-7B7A-43D3-8B79-37D633B846F1}">
-                <asvg:svgBlip xmlns:asvg="http://schemas.microsoft.com/office/drawing/2016/SVG/main" r:embed="rId12"/>
-              </a:ext>
-            </a:extLst>
-          </a:blip>
-          <a:srcRect/>
-          <a:stretch/>
-        </p:blipFill>
-        <p:spPr>
-          <a:xfrm>
-            <a:off x="314325" y="6477000"/>
-            <a:ext cx="13077825" cy="3276600"/>
-          </a:xfrm>
-          <a:prstGeom prst="rect">
-            <a:avLst/>
-          </a:prstGeom>
-        </p:spPr>
-      </p:pic>
-      <p:pic>
-        <p:nvPicPr>
-          <p:cNvPr id="8" name="Image 6" descr="preencoded.png"/>
-          <p:cNvPicPr>
-            <a:picLocks noChangeAspect="1"/>
-          </p:cNvPicPr>
-          <p:nvPr/>
-        </p:nvPicPr>
-        <p:blipFill>
-          <a:blip r:embed="rId13">
-            <a:extLst>
-              <a:ext uri="{96DAC541-7B7A-43D3-8B79-37D633B846F1}">
-                <asvg:svgBlip xmlns:asvg="http://schemas.microsoft.com/office/drawing/2016/SVG/main" r:embed="rId14"/>
-              </a:ext>
-            </a:extLst>
-          </a:blip>
-          <a:srcRect/>
-          <a:stretch/>
-        </p:blipFill>
-        <p:spPr>
-          <a:xfrm>
-            <a:off x="333375" y="5695950"/>
-            <a:ext cx="2400300" cy="447675"/>
-          </a:xfrm>
-          <a:prstGeom prst="rect">
-            <a:avLst/>
-          </a:prstGeom>
-        </p:spPr>
-      </p:pic>
-      <p:pic>
-        <p:nvPicPr>
-          <p:cNvPr id="9" name="Image 7" descr="preencoded.png"/>
-          <p:cNvPicPr>
-            <a:picLocks noChangeAspect="1"/>
-          </p:cNvPicPr>
-          <p:nvPr/>
-        </p:nvPicPr>
-        <p:blipFill>
-          <a:blip r:embed="rId15">
-            <a:extLst>
-              <a:ext uri="{96DAC541-7B7A-43D3-8B79-37D633B846F1}">
-                <asvg:svgBlip xmlns:asvg="http://schemas.microsoft.com/office/drawing/2016/SVG/main" r:embed="rId16"/>
-              </a:ext>
-            </a:extLst>
-          </a:blip>
-          <a:srcRect/>
-          <a:stretch/>
-        </p:blipFill>
-        <p:spPr>
-          <a:xfrm>
-            <a:off x="466725" y="5743575"/>
-            <a:ext cx="2266950" cy="288607"/>
-          </a:xfrm>
-          <a:prstGeom prst="rect">
-            <a:avLst/>
-          </a:prstGeom>
-        </p:spPr>
-      </p:pic>
-      <p:pic>
-        <p:nvPicPr>
-          <p:cNvPr id="10" name="Image 8" descr="preencoded.png"/>
-          <p:cNvPicPr>
-            <a:picLocks noChangeAspect="1"/>
-          </p:cNvPicPr>
-          <p:nvPr/>
-        </p:nvPicPr>
-        <p:blipFill>
-          <a:blip r:embed="rId17">
-            <a:extLst>
-              <a:ext uri="{96DAC541-7B7A-43D3-8B79-37D633B846F1}">
-                <asvg:svgBlip xmlns:asvg="http://schemas.microsoft.com/office/drawing/2016/SVG/main" r:embed="rId18"/>
-              </a:ext>
-            </a:extLst>
-          </a:blip>
-          <a:srcRect/>
-          <a:stretch/>
-        </p:blipFill>
-        <p:spPr>
-          <a:xfrm>
-            <a:off x="0" y="1304925"/>
-            <a:ext cx="13716000" cy="4000500"/>
-          </a:xfrm>
-          <a:prstGeom prst="rect">
-            <a:avLst/>
-          </a:prstGeom>
-        </p:spPr>
-      </p:pic>
-      <p:pic>
-        <p:nvPicPr>
-          <p:cNvPr id="11" name="Image 9" descr="preencoded.png"/>
-          <p:cNvPicPr>
-            <a:picLocks noChangeAspect="1"/>
-          </p:cNvPicPr>
-          <p:nvPr/>
-        </p:nvPicPr>
-        <p:blipFill>
-          <a:blip r:embed="rId19">
-            <a:extLst>
-              <a:ext uri="{96DAC541-7B7A-43D3-8B79-37D633B846F1}">
-                <asvg:svgBlip xmlns:asvg="http://schemas.microsoft.com/office/drawing/2016/SVG/main" r:embed="rId20"/>
-              </a:ext>
-            </a:extLst>
-          </a:blip>
-          <a:srcRect/>
-          <a:stretch/>
-        </p:blipFill>
-        <p:spPr>
-          <a:xfrm>
-            <a:off x="9344025" y="4381500"/>
-            <a:ext cx="3124200" cy="533400"/>
-          </a:xfrm>
-          <a:prstGeom prst="rect">
-            <a:avLst/>
-          </a:prstGeom>
-        </p:spPr>
-      </p:pic>
-      <p:pic>
-        <p:nvPicPr>
-          <p:cNvPr id="12" name="Image 10" descr="preencoded.png"/>
-          <p:cNvPicPr>
-            <a:picLocks noChangeAspect="1"/>
-          </p:cNvPicPr>
-          <p:nvPr/>
-        </p:nvPicPr>
-        <p:blipFill>
-          <a:blip r:embed="rId21">
-            <a:extLst>
-              <a:ext uri="{96DAC541-7B7A-43D3-8B79-37D633B846F1}">
-                <asvg:svgBlip xmlns:asvg="http://schemas.microsoft.com/office/drawing/2016/SVG/main" r:embed="rId22"/>
-              </a:ext>
-            </a:extLst>
-          </a:blip>
-          <a:srcRect/>
-          <a:stretch/>
-        </p:blipFill>
-        <p:spPr>
-          <a:xfrm>
-            <a:off x="2914650" y="5695950"/>
-            <a:ext cx="1943100" cy="447675"/>
-          </a:xfrm>
-          <a:prstGeom prst="rect">
-            <a:avLst/>
-          </a:prstGeom>
-        </p:spPr>
-      </p:pic>
-      <p:pic>
-        <p:nvPicPr>
-          <p:cNvPr id="13" name="Image 11" descr="preencoded.png"/>
-          <p:cNvPicPr>
-            <a:picLocks noChangeAspect="1"/>
-          </p:cNvPicPr>
-          <p:nvPr/>
-        </p:nvPicPr>
-        <p:blipFill>
-          <a:blip r:embed="rId23">
-            <a:extLst>
-              <a:ext uri="{96DAC541-7B7A-43D3-8B79-37D633B846F1}">
-                <asvg:svgBlip xmlns:asvg="http://schemas.microsoft.com/office/drawing/2016/SVG/main" r:embed="rId24"/>
-              </a:ext>
-            </a:extLst>
-          </a:blip>
-          <a:srcRect/>
-          <a:stretch/>
-        </p:blipFill>
-        <p:spPr>
-          <a:xfrm>
-            <a:off x="3038475" y="5743575"/>
-            <a:ext cx="1819275" cy="288608"/>
-          </a:xfrm>
-          <a:prstGeom prst="rect">
-            <a:avLst/>
-          </a:prstGeom>
-        </p:spPr>
-      </p:pic>
-      <p:pic>
-        <p:nvPicPr>
-          <p:cNvPr id="14" name="Image 12" descr="preencoded.png"/>
-          <p:cNvPicPr>
-            <a:picLocks noChangeAspect="1"/>
-          </p:cNvPicPr>
-          <p:nvPr/>
-        </p:nvPicPr>
-        <p:blipFill>
-          <a:blip r:embed="rId25">
-            <a:extLst>
-              <a:ext uri="{96DAC541-7B7A-43D3-8B79-37D633B846F1}">
-                <asvg:svgBlip xmlns:asvg="http://schemas.microsoft.com/office/drawing/2016/SVG/main" r:embed="rId26"/>
-              </a:ext>
-            </a:extLst>
-          </a:blip>
-          <a:srcRect/>
-          <a:stretch/>
-        </p:blipFill>
-        <p:spPr>
-          <a:xfrm>
-            <a:off x="9401175" y="4476750"/>
-            <a:ext cx="2809875" cy="476250"/>
-          </a:xfrm>
-          <a:prstGeom prst="rect">
-            <a:avLst/>
-          </a:prstGeom>
-        </p:spPr>
-      </p:pic>
-      <p:pic>
-        <p:nvPicPr>
-          <p:cNvPr id="15" name="Image 13" descr="preencoded.png"/>
-          <p:cNvPicPr>
-            <a:picLocks noChangeAspect="1"/>
-          </p:cNvPicPr>
-          <p:nvPr/>
-        </p:nvPicPr>
-        <p:blipFill>
-          <a:blip r:embed="rId27"/>
-          <a:srcRect/>
-          <a:stretch/>
-        </p:blipFill>
-        <p:spPr>
-          <a:xfrm>
-            <a:off x="333375" y="2828925"/>
-            <a:ext cx="7743825" cy="1516761"/>
-          </a:xfrm>
-          <a:prstGeom prst="rect">
-            <a:avLst/>
-          </a:prstGeom>
-        </p:spPr>
-      </p:pic>
-      <p:pic>
-        <p:nvPicPr>
-          <p:cNvPr id="16" name="Image 14" descr="preencoded.png"/>
-          <p:cNvPicPr>
-            <a:picLocks noChangeAspect="1"/>
-          </p:cNvPicPr>
-          <p:nvPr/>
-        </p:nvPicPr>
-        <p:blipFill>
-          <a:blip r:embed="rId28"/>
-          <a:srcRect/>
-          <a:stretch/>
-        </p:blipFill>
-        <p:spPr>
-          <a:xfrm>
-            <a:off x="8534400" y="1666875"/>
-            <a:ext cx="4743450" cy="2324100"/>
-          </a:xfrm>
-          <a:prstGeom prst="rect">
-            <a:avLst/>
-          </a:prstGeom>
-        </p:spPr>
-      </p:pic>
-      <p:pic>
-        <p:nvPicPr>
-          <p:cNvPr id="17" name="Image 15" descr="preencoded.png"/>
-          <p:cNvPicPr>
-            <a:picLocks noChangeAspect="1"/>
-          </p:cNvPicPr>
-          <p:nvPr/>
-        </p:nvPicPr>
-        <p:blipFill>
-          <a:blip r:embed="rId29">
-            <a:extLst>
-              <a:ext uri="{96DAC541-7B7A-43D3-8B79-37D633B846F1}">
-                <asvg:svgBlip xmlns:asvg="http://schemas.microsoft.com/office/drawing/2016/SVG/main" r:embed="rId30"/>
-              </a:ext>
-            </a:extLst>
-          </a:blip>
-          <a:srcRect/>
-          <a:stretch/>
-        </p:blipFill>
-        <p:spPr>
-          <a:xfrm>
-            <a:off x="5038725" y="5695950"/>
-            <a:ext cx="1476375" cy="447675"/>
-          </a:xfrm>
-          <a:prstGeom prst="rect">
-            <a:avLst/>
-          </a:prstGeom>
-        </p:spPr>
-      </p:pic>
-      <p:pic>
-        <p:nvPicPr>
-          <p:cNvPr id="18" name="Image 16" descr="preencoded.png"/>
-          <p:cNvPicPr>
-            <a:picLocks noChangeAspect="1"/>
-          </p:cNvPicPr>
-          <p:nvPr/>
-        </p:nvPicPr>
-        <p:blipFill>
-          <a:blip r:embed="rId31">
-            <a:extLst>
-              <a:ext uri="{96DAC541-7B7A-43D3-8B79-37D633B846F1}">
-                <asvg:svgBlip xmlns:asvg="http://schemas.microsoft.com/office/drawing/2016/SVG/main" r:embed="rId32"/>
-              </a:ext>
-            </a:extLst>
-          </a:blip>
-          <a:srcRect/>
-          <a:stretch/>
-        </p:blipFill>
-        <p:spPr>
-          <a:xfrm>
-            <a:off x="5172075" y="5743575"/>
-            <a:ext cx="1400175" cy="285750"/>
-          </a:xfrm>
-          <a:prstGeom prst="rect">
-            <a:avLst/>
-          </a:prstGeom>
-        </p:spPr>
-      </p:pic>
-      <p:pic>
-        <p:nvPicPr>
-          <p:cNvPr id="19" name="Image 17" descr="preencoded.png"/>
-          <p:cNvPicPr>
-            <a:picLocks noChangeAspect="1"/>
-          </p:cNvPicPr>
-          <p:nvPr/>
-        </p:nvPicPr>
-        <p:blipFill>
-          <a:blip r:embed="rId33">
-            <a:extLst>
-              <a:ext uri="{96DAC541-7B7A-43D3-8B79-37D633B846F1}">
-                <asvg:svgBlip xmlns:asvg="http://schemas.microsoft.com/office/drawing/2016/SVG/main" r:embed="rId34"/>
-              </a:ext>
-            </a:extLst>
-          </a:blip>
-          <a:srcRect/>
-          <a:stretch/>
-        </p:blipFill>
-        <p:spPr>
-          <a:xfrm>
-            <a:off x="0" y="9382125"/>
-            <a:ext cx="13716000" cy="371475"/>
-          </a:xfrm>
-          <a:prstGeom prst="rect">
-            <a:avLst/>
-          </a:prstGeom>
-        </p:spPr>
-      </p:pic>
-      <p:pic>
-        <p:nvPicPr>
-          <p:cNvPr id="20" name="Image 18" descr="preencoded.png"/>
-          <p:cNvPicPr>
-            <a:picLocks noChangeAspect="1"/>
-          </p:cNvPicPr>
-          <p:nvPr/>
-        </p:nvPicPr>
-        <p:blipFill>
-          <a:blip r:embed="rId4">
-            <a:extLst>
-              <a:ext uri="{96DAC541-7B7A-43D3-8B79-37D633B846F1}">
-                <asvg:svgBlip xmlns:asvg="http://schemas.microsoft.com/office/drawing/2016/SVG/main" r:embed="rId5"/>
-              </a:ext>
-            </a:extLst>
-          </a:blip>
-          <a:srcRect/>
-          <a:stretch/>
-        </p:blipFill>
-        <p:spPr>
-          <a:xfrm>
-            <a:off x="228600" y="9315450"/>
-            <a:ext cx="3314700" cy="438150"/>
-          </a:xfrm>
-          <a:prstGeom prst="rect">
-            <a:avLst/>
-          </a:prstGeom>
-        </p:spPr>
-      </p:pic>
-      <p:pic>
-        <p:nvPicPr>
-          <p:cNvPr id="21" name="Image 19" descr="preencoded.png"/>
-          <p:cNvPicPr>
-            <a:picLocks noChangeAspect="1"/>
-          </p:cNvPicPr>
-          <p:nvPr/>
-        </p:nvPicPr>
-        <p:blipFill>
-          <a:blip r:embed="rId35">
-            <a:extLst>
-              <a:ext uri="{96DAC541-7B7A-43D3-8B79-37D633B846F1}">
-                <asvg:svgBlip xmlns:asvg="http://schemas.microsoft.com/office/drawing/2016/SVG/main" r:embed="rId36"/>
-              </a:ext>
-            </a:extLst>
-          </a:blip>
-          <a:srcRect/>
-          <a:stretch/>
-        </p:blipFill>
-        <p:spPr>
-          <a:xfrm>
-            <a:off x="11925300" y="9429750"/>
-            <a:ext cx="1790700" cy="285750"/>
+          <a:stretch>
+            <a:fillRect/>
+          </a:stretch>
+        </p:blipFill>
+        <p:spPr>
+          <a:xfrm>
+            <a:off x="0" y="728662"/>
+            <a:ext cx="13716000" cy="8572500"/>
           </a:xfrm>
           <a:prstGeom prst="rect">
             <a:avLst/>

--- a/Docs/StudentFlow.pptx
+++ b/Docs/StudentFlow.pptx
@@ -5,17 +5,19 @@
     <p:sldMasterId id="2147483648" r:id="rId1"/>
   </p:sldMasterIdLst>
   <p:notesMasterIdLst>
-    <p:notesMasterId r:id="rId10"/>
+    <p:notesMasterId r:id="rId12"/>
   </p:notesMasterIdLst>
   <p:sldIdLst>
     <p:sldId id="256" r:id="rId2"/>
-    <p:sldId id="259" r:id="rId3"/>
-    <p:sldId id="257" r:id="rId4"/>
-    <p:sldId id="261" r:id="rId5"/>
-    <p:sldId id="260" r:id="rId6"/>
-    <p:sldId id="262" r:id="rId7"/>
-    <p:sldId id="263" r:id="rId8"/>
-    <p:sldId id="258" r:id="rId9"/>
+    <p:sldId id="264" r:id="rId3"/>
+    <p:sldId id="265" r:id="rId4"/>
+    <p:sldId id="259" r:id="rId5"/>
+    <p:sldId id="257" r:id="rId6"/>
+    <p:sldId id="261" r:id="rId7"/>
+    <p:sldId id="260" r:id="rId8"/>
+    <p:sldId id="262" r:id="rId9"/>
+    <p:sldId id="263" r:id="rId10"/>
+    <p:sldId id="258" r:id="rId11"/>
   </p:sldIdLst>
   <p:sldSz cx="13716000" cy="10029825"/>
   <p:notesSz cx="10029825" cy="13716000"/>
@@ -393,7 +395,7 @@
           <a:p>
             <a:fld id="{F7021451-1387-4CA6-816F-3879F97B5CBC}" type="slidenum">
               <a:rPr lang="en-US"/>
-              <a:t>2</a:t>
+              <a:t>4</a:t>
             </a:fld>
             <a:endParaRPr lang="en-US"/>
           </a:p>
@@ -477,7 +479,7 @@
           <a:p>
             <a:fld id="{F7021451-1387-4CA6-816F-3879F97B5CBC}" type="slidenum">
               <a:rPr lang="en-US"/>
-              <a:t>3</a:t>
+              <a:t>5</a:t>
             </a:fld>
             <a:endParaRPr lang="en-US"/>
           </a:p>
@@ -561,7 +563,7 @@
           <a:p>
             <a:fld id="{F7021451-1387-4CA6-816F-3879F97B5CBC}" type="slidenum">
               <a:rPr lang="en-US"/>
-              <a:t>4</a:t>
+              <a:t>6</a:t>
             </a:fld>
             <a:endParaRPr lang="en-US"/>
           </a:p>
@@ -645,7 +647,7 @@
           <a:p>
             <a:fld id="{F7021451-1387-4CA6-816F-3879F97B5CBC}" type="slidenum">
               <a:rPr lang="en-US"/>
-              <a:t>5</a:t>
+              <a:t>7</a:t>
             </a:fld>
             <a:endParaRPr lang="en-US"/>
           </a:p>
@@ -729,7 +731,7 @@
           <a:p>
             <a:fld id="{F7021451-1387-4CA6-816F-3879F97B5CBC}" type="slidenum">
               <a:rPr lang="en-US"/>
-              <a:t>6</a:t>
+              <a:t>8</a:t>
             </a:fld>
             <a:endParaRPr lang="en-US"/>
           </a:p>
@@ -813,7 +815,7 @@
           <a:p>
             <a:fld id="{F7021451-1387-4CA6-816F-3879F97B5CBC}" type="slidenum">
               <a:rPr lang="en-US"/>
-              <a:t>8</a:t>
+              <a:t>10</a:t>
             </a:fld>
             <a:endParaRPr lang="en-US"/>
           </a:p>
@@ -1206,7 +1208,190 @@
 </p:sld>
 </file>
 
+<file path=ppt/slides/slide10.xml><?xml version="1.0" encoding="utf-8"?>
+<p:sld xmlns:a="http://schemas.openxmlformats.org/drawingml/2006/main" xmlns:r="http://schemas.openxmlformats.org/officeDocument/2006/relationships" xmlns:p="http://schemas.openxmlformats.org/presentationml/2006/main">
+  <p:cSld name="Slide 3">
+    <p:bg>
+      <p:bgPr>
+        <a:solidFill>
+          <a:srgbClr val="FFFFFF"/>
+        </a:solidFill>
+        <a:effectLst/>
+      </p:bgPr>
+    </p:bg>
+    <p:spTree>
+      <p:nvGrpSpPr>
+        <p:cNvPr id="1" name=""/>
+        <p:cNvGrpSpPr/>
+        <p:nvPr/>
+      </p:nvGrpSpPr>
+      <p:grpSpPr>
+        <a:xfrm>
+          <a:off x="0" y="0"/>
+          <a:ext cx="0" cy="0"/>
+          <a:chOff x="0" y="0"/>
+          <a:chExt cx="0" cy="0"/>
+        </a:xfrm>
+      </p:grpSpPr>
+      <p:pic>
+        <p:nvPicPr>
+          <p:cNvPr id="25" name="Picture 24">
+            <a:extLst>
+              <a:ext uri="{FF2B5EF4-FFF2-40B4-BE49-F238E27FC236}">
+                <a16:creationId xmlns:a16="http://schemas.microsoft.com/office/drawing/2014/main" id="{0BB46956-CAD5-DB64-3E18-259157C0EB4B}"/>
+              </a:ext>
+            </a:extLst>
+          </p:cNvPr>
+          <p:cNvPicPr>
+            <a:picLocks noChangeAspect="1"/>
+          </p:cNvPicPr>
+          <p:nvPr/>
+        </p:nvPicPr>
+        <p:blipFill>
+          <a:blip r:embed="rId3"/>
+          <a:stretch>
+            <a:fillRect/>
+          </a:stretch>
+        </p:blipFill>
+        <p:spPr>
+          <a:xfrm>
+            <a:off x="0" y="1138342"/>
+            <a:ext cx="13716000" cy="7966470"/>
+          </a:xfrm>
+          <a:prstGeom prst="rect">
+            <a:avLst/>
+          </a:prstGeom>
+        </p:spPr>
+      </p:pic>
+    </p:spTree>
+  </p:cSld>
+  <p:clrMapOvr>
+    <a:masterClrMapping/>
+  </p:clrMapOvr>
+</p:sld>
+</file>
+
 <file path=ppt/slides/slide2.xml><?xml version="1.0" encoding="utf-8"?>
+<p:sld xmlns:a="http://schemas.openxmlformats.org/drawingml/2006/main" xmlns:r="http://schemas.openxmlformats.org/officeDocument/2006/relationships" xmlns:p="http://schemas.openxmlformats.org/presentationml/2006/main">
+  <p:cSld>
+    <p:spTree>
+      <p:nvGrpSpPr>
+        <p:cNvPr id="1" name=""/>
+        <p:cNvGrpSpPr/>
+        <p:nvPr/>
+      </p:nvGrpSpPr>
+      <p:grpSpPr>
+        <a:xfrm>
+          <a:off x="0" y="0"/>
+          <a:ext cx="0" cy="0"/>
+          <a:chOff x="0" y="0"/>
+          <a:chExt cx="0" cy="0"/>
+        </a:xfrm>
+      </p:grpSpPr>
+      <p:pic>
+        <p:nvPicPr>
+          <p:cNvPr id="3" name="Picture 2">
+            <a:extLst>
+              <a:ext uri="{FF2B5EF4-FFF2-40B4-BE49-F238E27FC236}">
+                <a16:creationId xmlns:a16="http://schemas.microsoft.com/office/drawing/2014/main" id="{EFCC47A5-7C0A-3F0F-A68C-3A75976D3269}"/>
+              </a:ext>
+            </a:extLst>
+          </p:cNvPr>
+          <p:cNvPicPr>
+            <a:picLocks noChangeAspect="1"/>
+          </p:cNvPicPr>
+          <p:nvPr/>
+        </p:nvPicPr>
+        <p:blipFill>
+          <a:blip r:embed="rId2"/>
+          <a:stretch>
+            <a:fillRect/>
+          </a:stretch>
+        </p:blipFill>
+        <p:spPr>
+          <a:xfrm>
+            <a:off x="2182" y="1763486"/>
+            <a:ext cx="13713817" cy="6234915"/>
+          </a:xfrm>
+          <a:prstGeom prst="rect">
+            <a:avLst/>
+          </a:prstGeom>
+        </p:spPr>
+      </p:pic>
+    </p:spTree>
+    <p:extLst>
+      <p:ext uri="{BB962C8B-B14F-4D97-AF65-F5344CB8AC3E}">
+        <p14:creationId xmlns:p14="http://schemas.microsoft.com/office/powerpoint/2010/main" val="2378334980"/>
+      </p:ext>
+    </p:extLst>
+  </p:cSld>
+  <p:clrMapOvr>
+    <a:masterClrMapping/>
+  </p:clrMapOvr>
+</p:sld>
+</file>
+
+<file path=ppt/slides/slide3.xml><?xml version="1.0" encoding="utf-8"?>
+<p:sld xmlns:a="http://schemas.openxmlformats.org/drawingml/2006/main" xmlns:r="http://schemas.openxmlformats.org/officeDocument/2006/relationships" xmlns:p="http://schemas.openxmlformats.org/presentationml/2006/main">
+  <p:cSld>
+    <p:spTree>
+      <p:nvGrpSpPr>
+        <p:cNvPr id="1" name=""/>
+        <p:cNvGrpSpPr/>
+        <p:nvPr/>
+      </p:nvGrpSpPr>
+      <p:grpSpPr>
+        <a:xfrm>
+          <a:off x="0" y="0"/>
+          <a:ext cx="0" cy="0"/>
+          <a:chOff x="0" y="0"/>
+          <a:chExt cx="0" cy="0"/>
+        </a:xfrm>
+      </p:grpSpPr>
+      <p:pic>
+        <p:nvPicPr>
+          <p:cNvPr id="7" name="Picture 6">
+            <a:extLst>
+              <a:ext uri="{FF2B5EF4-FFF2-40B4-BE49-F238E27FC236}">
+                <a16:creationId xmlns:a16="http://schemas.microsoft.com/office/drawing/2014/main" id="{6FBEAF4C-B048-80A5-1724-D3E92E1DFD41}"/>
+              </a:ext>
+            </a:extLst>
+          </p:cNvPr>
+          <p:cNvPicPr>
+            <a:picLocks noChangeAspect="1"/>
+          </p:cNvPicPr>
+          <p:nvPr/>
+        </p:nvPicPr>
+        <p:blipFill>
+          <a:blip r:embed="rId2"/>
+          <a:stretch>
+            <a:fillRect/>
+          </a:stretch>
+        </p:blipFill>
+        <p:spPr>
+          <a:xfrm>
+            <a:off x="0" y="1214846"/>
+            <a:ext cx="13716000" cy="6894026"/>
+          </a:xfrm>
+          <a:prstGeom prst="rect">
+            <a:avLst/>
+          </a:prstGeom>
+        </p:spPr>
+      </p:pic>
+    </p:spTree>
+    <p:extLst>
+      <p:ext uri="{BB962C8B-B14F-4D97-AF65-F5344CB8AC3E}">
+        <p14:creationId xmlns:p14="http://schemas.microsoft.com/office/powerpoint/2010/main" val="4107247819"/>
+      </p:ext>
+    </p:extLst>
+  </p:cSld>
+  <p:clrMapOvr>
+    <a:masterClrMapping/>
+  </p:clrMapOvr>
+</p:sld>
+</file>
+
+<file path=ppt/slides/slide4.xml><?xml version="1.0" encoding="utf-8"?>
 <p:sld xmlns:a="http://schemas.openxmlformats.org/drawingml/2006/main" xmlns:r="http://schemas.openxmlformats.org/officeDocument/2006/relationships" xmlns:p="http://schemas.openxmlformats.org/presentationml/2006/main">
   <p:cSld name="Slide 4">
     <p:bg>
@@ -1268,7 +1453,7 @@
 </p:sld>
 </file>
 
-<file path=ppt/slides/slide3.xml><?xml version="1.0" encoding="utf-8"?>
+<file path=ppt/slides/slide5.xml><?xml version="1.0" encoding="utf-8"?>
 <p:sld xmlns:a="http://schemas.openxmlformats.org/drawingml/2006/main" xmlns:r="http://schemas.openxmlformats.org/officeDocument/2006/relationships" xmlns:p="http://schemas.openxmlformats.org/presentationml/2006/main">
   <p:cSld name="Slide 2">
     <p:bg>
@@ -1330,7 +1515,7 @@
 </p:sld>
 </file>
 
-<file path=ppt/slides/slide4.xml><?xml version="1.0" encoding="utf-8"?>
+<file path=ppt/slides/slide6.xml><?xml version="1.0" encoding="utf-8"?>
 <p:sld xmlns:a="http://schemas.openxmlformats.org/drawingml/2006/main" xmlns:r="http://schemas.openxmlformats.org/officeDocument/2006/relationships" xmlns:p="http://schemas.openxmlformats.org/presentationml/2006/main">
   <p:cSld name="Slide 6">
     <p:bg>
@@ -1392,7 +1577,7 @@
 </p:sld>
 </file>
 
-<file path=ppt/slides/slide5.xml><?xml version="1.0" encoding="utf-8"?>
+<file path=ppt/slides/slide7.xml><?xml version="1.0" encoding="utf-8"?>
 <p:sld xmlns:a="http://schemas.openxmlformats.org/drawingml/2006/main" xmlns:r="http://schemas.openxmlformats.org/officeDocument/2006/relationships" xmlns:p="http://schemas.openxmlformats.org/presentationml/2006/main">
   <p:cSld name="Slide 5">
     <p:bg>
@@ -1454,7 +1639,7 @@
 </p:sld>
 </file>
 
-<file path=ppt/slides/slide6.xml><?xml version="1.0" encoding="utf-8"?>
+<file path=ppt/slides/slide8.xml><?xml version="1.0" encoding="utf-8"?>
 <p:sld xmlns:a="http://schemas.openxmlformats.org/drawingml/2006/main" xmlns:r="http://schemas.openxmlformats.org/officeDocument/2006/relationships" xmlns:p="http://schemas.openxmlformats.org/presentationml/2006/main">
   <p:cSld name="Slide 7">
     <p:bg>
@@ -1516,7 +1701,7 @@
 </p:sld>
 </file>
 
-<file path=ppt/slides/slide7.xml><?xml version="1.0" encoding="utf-8"?>
+<file path=ppt/slides/slide9.xml><?xml version="1.0" encoding="utf-8"?>
 <p:sld xmlns:a="http://schemas.openxmlformats.org/drawingml/2006/main" xmlns:r="http://schemas.openxmlformats.org/officeDocument/2006/relationships" xmlns:p="http://schemas.openxmlformats.org/presentationml/2006/main">
   <p:cSld>
     <p:spTree>
@@ -1569,69 +1754,6 @@
         <p14:creationId xmlns:p14="http://schemas.microsoft.com/office/powerpoint/2010/main" val="2172459841"/>
       </p:ext>
     </p:extLst>
-  </p:cSld>
-  <p:clrMapOvr>
-    <a:masterClrMapping/>
-  </p:clrMapOvr>
-</p:sld>
-</file>
-
-<file path=ppt/slides/slide8.xml><?xml version="1.0" encoding="utf-8"?>
-<p:sld xmlns:a="http://schemas.openxmlformats.org/drawingml/2006/main" xmlns:r="http://schemas.openxmlformats.org/officeDocument/2006/relationships" xmlns:p="http://schemas.openxmlformats.org/presentationml/2006/main">
-  <p:cSld name="Slide 3">
-    <p:bg>
-      <p:bgPr>
-        <a:solidFill>
-          <a:srgbClr val="FFFFFF"/>
-        </a:solidFill>
-        <a:effectLst/>
-      </p:bgPr>
-    </p:bg>
-    <p:spTree>
-      <p:nvGrpSpPr>
-        <p:cNvPr id="1" name=""/>
-        <p:cNvGrpSpPr/>
-        <p:nvPr/>
-      </p:nvGrpSpPr>
-      <p:grpSpPr>
-        <a:xfrm>
-          <a:off x="0" y="0"/>
-          <a:ext cx="0" cy="0"/>
-          <a:chOff x="0" y="0"/>
-          <a:chExt cx="0" cy="0"/>
-        </a:xfrm>
-      </p:grpSpPr>
-      <p:pic>
-        <p:nvPicPr>
-          <p:cNvPr id="25" name="Picture 24">
-            <a:extLst>
-              <a:ext uri="{FF2B5EF4-FFF2-40B4-BE49-F238E27FC236}">
-                <a16:creationId xmlns:a16="http://schemas.microsoft.com/office/drawing/2014/main" id="{0BB46956-CAD5-DB64-3E18-259157C0EB4B}"/>
-              </a:ext>
-            </a:extLst>
-          </p:cNvPr>
-          <p:cNvPicPr>
-            <a:picLocks noChangeAspect="1"/>
-          </p:cNvPicPr>
-          <p:nvPr/>
-        </p:nvPicPr>
-        <p:blipFill>
-          <a:blip r:embed="rId3"/>
-          <a:stretch>
-            <a:fillRect/>
-          </a:stretch>
-        </p:blipFill>
-        <p:spPr>
-          <a:xfrm>
-            <a:off x="0" y="1138342"/>
-            <a:ext cx="13716000" cy="7966470"/>
-          </a:xfrm>
-          <a:prstGeom prst="rect">
-            <a:avLst/>
-          </a:prstGeom>
-        </p:spPr>
-      </p:pic>
-    </p:spTree>
   </p:cSld>
   <p:clrMapOvr>
     <a:masterClrMapping/>
